--- a/スライド資料/提案資料/20210730_前期末発表資料.pptx
+++ b/スライド資料/提案資料/20210730_前期末発表資料.pptx
@@ -118,6 +118,11 @@
       </a:defRPr>
     </a:lvl9pPr>
   </p:defaultTextStyle>
+  <p:extLst>
+    <p:ext uri="{EFAFB233-063F-42B5-8137-9DF3F51BA10A}">
+      <p15:sldGuideLst xmlns:p15="http://schemas.microsoft.com/office/powerpoint/2012/main"/>
+    </p:ext>
+  </p:extLst>
 </p:presentation>
 </file>
 
@@ -252,7 +257,7 @@
           <a:p>
             <a:fld id="{07003F2F-3A79-4315-88E0-799C21DEC6C1}" type="datetimeFigureOut">
               <a:rPr kumimoji="1" lang="ja-JP" altLang="en-US" smtClean="0"/>
-              <a:t>2021/7/26</a:t>
+              <a:t>2021/7/30</a:t>
             </a:fld>
             <a:endParaRPr kumimoji="1" lang="ja-JP" altLang="en-US"/>
           </a:p>
@@ -454,7 +459,7 @@
           <a:p>
             <a:fld id="{07003F2F-3A79-4315-88E0-799C21DEC6C1}" type="datetimeFigureOut">
               <a:rPr kumimoji="1" lang="ja-JP" altLang="en-US" smtClean="0"/>
-              <a:t>2021/7/26</a:t>
+              <a:t>2021/7/30</a:t>
             </a:fld>
             <a:endParaRPr kumimoji="1" lang="ja-JP" altLang="en-US"/>
           </a:p>
@@ -666,7 +671,7 @@
           <a:p>
             <a:fld id="{07003F2F-3A79-4315-88E0-799C21DEC6C1}" type="datetimeFigureOut">
               <a:rPr kumimoji="1" lang="ja-JP" altLang="en-US" smtClean="0"/>
-              <a:t>2021/7/26</a:t>
+              <a:t>2021/7/30</a:t>
             </a:fld>
             <a:endParaRPr kumimoji="1" lang="ja-JP" altLang="en-US"/>
           </a:p>
@@ -868,7 +873,7 @@
           <a:p>
             <a:fld id="{07003F2F-3A79-4315-88E0-799C21DEC6C1}" type="datetimeFigureOut">
               <a:rPr kumimoji="1" lang="ja-JP" altLang="en-US" smtClean="0"/>
-              <a:t>2021/7/26</a:t>
+              <a:t>2021/7/30</a:t>
             </a:fld>
             <a:endParaRPr kumimoji="1" lang="ja-JP" altLang="en-US"/>
           </a:p>
@@ -1112,7 +1117,7 @@
           <a:p>
             <a:fld id="{07003F2F-3A79-4315-88E0-799C21DEC6C1}" type="datetimeFigureOut">
               <a:rPr kumimoji="1" lang="ja-JP" altLang="en-US" smtClean="0"/>
-              <a:t>2021/7/26</a:t>
+              <a:t>2021/7/30</a:t>
             </a:fld>
             <a:endParaRPr kumimoji="1" lang="ja-JP" altLang="en-US"/>
           </a:p>
@@ -1408,7 +1413,7 @@
           <a:p>
             <a:fld id="{07003F2F-3A79-4315-88E0-799C21DEC6C1}" type="datetimeFigureOut">
               <a:rPr kumimoji="1" lang="ja-JP" altLang="en-US" smtClean="0"/>
-              <a:t>2021/7/26</a:t>
+              <a:t>2021/7/30</a:t>
             </a:fld>
             <a:endParaRPr kumimoji="1" lang="ja-JP" altLang="en-US"/>
           </a:p>
@@ -1839,7 +1844,7 @@
           <a:p>
             <a:fld id="{07003F2F-3A79-4315-88E0-799C21DEC6C1}" type="datetimeFigureOut">
               <a:rPr kumimoji="1" lang="ja-JP" altLang="en-US" smtClean="0"/>
-              <a:t>2021/7/26</a:t>
+              <a:t>2021/7/30</a:t>
             </a:fld>
             <a:endParaRPr kumimoji="1" lang="ja-JP" altLang="en-US"/>
           </a:p>
@@ -1957,7 +1962,7 @@
           <a:p>
             <a:fld id="{07003F2F-3A79-4315-88E0-799C21DEC6C1}" type="datetimeFigureOut">
               <a:rPr kumimoji="1" lang="ja-JP" altLang="en-US" smtClean="0"/>
-              <a:t>2021/7/26</a:t>
+              <a:t>2021/7/30</a:t>
             </a:fld>
             <a:endParaRPr kumimoji="1" lang="ja-JP" altLang="en-US"/>
           </a:p>
@@ -2052,7 +2057,7 @@
           <a:p>
             <a:fld id="{07003F2F-3A79-4315-88E0-799C21DEC6C1}" type="datetimeFigureOut">
               <a:rPr kumimoji="1" lang="ja-JP" altLang="en-US" smtClean="0"/>
-              <a:t>2021/7/26</a:t>
+              <a:t>2021/7/30</a:t>
             </a:fld>
             <a:endParaRPr kumimoji="1" lang="ja-JP" altLang="en-US"/>
           </a:p>
@@ -2361,7 +2366,7 @@
           <a:p>
             <a:fld id="{07003F2F-3A79-4315-88E0-799C21DEC6C1}" type="datetimeFigureOut">
               <a:rPr kumimoji="1" lang="ja-JP" altLang="en-US" smtClean="0"/>
-              <a:t>2021/7/26</a:t>
+              <a:t>2021/7/30</a:t>
             </a:fld>
             <a:endParaRPr kumimoji="1" lang="ja-JP" altLang="en-US"/>
           </a:p>
@@ -2618,7 +2623,7 @@
           <a:p>
             <a:fld id="{07003F2F-3A79-4315-88E0-799C21DEC6C1}" type="datetimeFigureOut">
               <a:rPr kumimoji="1" lang="ja-JP" altLang="en-US" smtClean="0"/>
-              <a:t>2021/7/26</a:t>
+              <a:t>2021/7/30</a:t>
             </a:fld>
             <a:endParaRPr kumimoji="1" lang="ja-JP" altLang="en-US"/>
           </a:p>
@@ -2863,7 +2868,7 @@
           <a:p>
             <a:fld id="{07003F2F-3A79-4315-88E0-799C21DEC6C1}" type="datetimeFigureOut">
               <a:rPr kumimoji="1" lang="ja-JP" altLang="en-US" smtClean="0"/>
-              <a:t>2021/7/26</a:t>
+              <a:t>2021/7/30</a:t>
             </a:fld>
             <a:endParaRPr kumimoji="1" lang="ja-JP" altLang="en-US"/>
           </a:p>
@@ -3481,18 +3486,11 @@
           <a:lstStyle/>
           <a:p>
             <a:r>
-              <a:rPr kumimoji="1" lang="en-US" altLang="ja-JP" b="1" dirty="0">
-                <a:latin typeface="+mn-ea"/>
-                <a:ea typeface="+mn-ea"/>
-              </a:rPr>
-              <a:t>ID</a:t>
-            </a:r>
-            <a:r>
               <a:rPr kumimoji="1" lang="ja-JP" altLang="en-US" b="1" dirty="0">
                 <a:latin typeface="+mn-ea"/>
                 <a:ea typeface="+mn-ea"/>
               </a:rPr>
-              <a:t>・パスワード忘れ２</a:t>
+              <a:t>パスワード忘れ２：</a:t>
             </a:r>
             <a:br>
               <a:rPr kumimoji="1" lang="en-US" altLang="ja-JP" b="1" dirty="0">
@@ -3505,7 +3503,7 @@
                 <a:latin typeface="+mn-ea"/>
                 <a:ea typeface="+mn-ea"/>
               </a:rPr>
-              <a:t>（パスワード新規発行）</a:t>
+              <a:t>パスワード新規発行</a:t>
             </a:r>
           </a:p>
         </p:txBody>
@@ -4245,7 +4243,7 @@
         </p:blipFill>
         <p:spPr bwMode="auto">
           <a:xfrm>
-            <a:off x="7477124" y="2641182"/>
+            <a:off x="7596393" y="2666999"/>
             <a:ext cx="1390650" cy="447675"/>
           </a:xfrm>
           <a:prstGeom prst="rect">
@@ -4823,7 +4821,7 @@
             </a:r>
             <a:r>
               <a:rPr lang="ja-JP" altLang="en-US" sz="4000" dirty="0"/>
-              <a:t>の仕様</a:t>
+              <a:t>の使用</a:t>
             </a:r>
             <a:endParaRPr kumimoji="1" lang="ja-JP" altLang="en-US" sz="3200" dirty="0"/>
           </a:p>
@@ -6182,6 +6180,78 @@
           </a:p>
         </p:txBody>
       </p:sp>
+      <p:cxnSp>
+        <p:nvCxnSpPr>
+          <p:cNvPr id="23" name="Google Shape;110;p16">
+            <a:extLst>
+              <a:ext uri="{FF2B5EF4-FFF2-40B4-BE49-F238E27FC236}">
+                <a16:creationId xmlns:a16="http://schemas.microsoft.com/office/drawing/2014/main" id="{7DF00705-58F5-4B8E-8073-12DCE4F43BA4}"/>
+              </a:ext>
+            </a:extLst>
+          </p:cNvPr>
+          <p:cNvCxnSpPr>
+            <a:cxnSpLocks/>
+            <a:stCxn id="40" idx="2"/>
+            <a:endCxn id="58" idx="0"/>
+          </p:cNvCxnSpPr>
+          <p:nvPr/>
+        </p:nvCxnSpPr>
+        <p:spPr>
+          <a:xfrm>
+            <a:off x="7455247" y="2473964"/>
+            <a:ext cx="0" cy="591150"/>
+          </a:xfrm>
+          <a:prstGeom prst="straightConnector1">
+            <a:avLst/>
+          </a:prstGeom>
+          <a:noFill/>
+          <a:ln w="28575" cap="flat" cmpd="sng">
+            <a:solidFill>
+              <a:schemeClr val="tx1"/>
+            </a:solidFill>
+            <a:prstDash val="solid"/>
+            <a:round/>
+            <a:headEnd type="none" w="med" len="med"/>
+            <a:tailEnd type="triangle" w="lg" len="lg"/>
+          </a:ln>
+        </p:spPr>
+      </p:cxnSp>
+      <p:cxnSp>
+        <p:nvCxnSpPr>
+          <p:cNvPr id="26" name="Google Shape;110;p16">
+            <a:extLst>
+              <a:ext uri="{FF2B5EF4-FFF2-40B4-BE49-F238E27FC236}">
+                <a16:creationId xmlns:a16="http://schemas.microsoft.com/office/drawing/2014/main" id="{0ADF439C-B65B-490C-8E84-9D032D654D7E}"/>
+              </a:ext>
+            </a:extLst>
+          </p:cNvPr>
+          <p:cNvCxnSpPr>
+            <a:cxnSpLocks/>
+            <a:stCxn id="58" idx="1"/>
+            <a:endCxn id="37" idx="3"/>
+          </p:cNvCxnSpPr>
+          <p:nvPr/>
+        </p:nvCxnSpPr>
+        <p:spPr>
+          <a:xfrm flipH="1" flipV="1">
+            <a:off x="5005964" y="3383906"/>
+            <a:ext cx="1466483" cy="16458"/>
+          </a:xfrm>
+          <a:prstGeom prst="straightConnector1">
+            <a:avLst/>
+          </a:prstGeom>
+          <a:noFill/>
+          <a:ln w="28575" cap="flat" cmpd="sng">
+            <a:solidFill>
+              <a:schemeClr val="tx1"/>
+            </a:solidFill>
+            <a:prstDash val="solid"/>
+            <a:round/>
+            <a:headEnd type="none" w="med" len="med"/>
+            <a:tailEnd type="triangle" w="lg" len="lg"/>
+          </a:ln>
+        </p:spPr>
+      </p:cxnSp>
     </p:spTree>
     <p:extLst>
       <p:ext uri="{BB962C8B-B14F-4D97-AF65-F5344CB8AC3E}">
@@ -6490,8 +6560,8 @@
               <a:t>論文情報から</a:t>
             </a:r>
             <a:r>
-              <a:rPr kumimoji="1" lang="en-US" altLang="ja-JP" sz="3200" dirty="0"/>
-              <a:t>BIB TEX</a:t>
+              <a:rPr kumimoji="1" lang="en-US" altLang="ja-JP" sz="3200" dirty="0" err="1"/>
+              <a:t>BibTeX</a:t>
             </a:r>
             <a:r>
               <a:rPr kumimoji="1" lang="ja-JP" altLang="en-US" sz="3200" dirty="0"/>
@@ -6505,8 +6575,8 @@
               <a:t>　</a:t>
             </a:r>
             <a:r>
-              <a:rPr lang="en-US" altLang="ja-JP" dirty="0"/>
-              <a:t>BIB TEX</a:t>
+              <a:rPr lang="en-US" altLang="ja-JP" dirty="0" err="1"/>
+              <a:t>BibTeX</a:t>
             </a:r>
             <a:r>
               <a:rPr lang="ja-JP" altLang="en-US" dirty="0"/>
@@ -7047,18 +7117,18 @@
           <a:lstStyle/>
           <a:p>
             <a:r>
-              <a:rPr kumimoji="1" lang="en-US" altLang="ja-JP" b="1" dirty="0">
-                <a:latin typeface="+mn-ea"/>
-                <a:ea typeface="+mn-ea"/>
-              </a:rPr>
-              <a:t>ID</a:t>
-            </a:r>
-            <a:r>
               <a:rPr kumimoji="1" lang="ja-JP" altLang="en-US" b="1" dirty="0">
                 <a:latin typeface="+mn-ea"/>
                 <a:ea typeface="+mn-ea"/>
               </a:rPr>
-              <a:t>・パスワード忘れ１</a:t>
+              <a:t>パスワード忘れ１</a:t>
+            </a:r>
+            <a:r>
+              <a:rPr lang="ja-JP" altLang="en-US" b="1" dirty="0">
+                <a:latin typeface="+mn-ea"/>
+                <a:ea typeface="+mn-ea"/>
+              </a:rPr>
+              <a:t>：</a:t>
             </a:r>
             <a:br>
               <a:rPr kumimoji="1" lang="en-US" altLang="ja-JP" b="1" dirty="0">
@@ -7071,7 +7141,7 @@
                 <a:latin typeface="+mn-ea"/>
                 <a:ea typeface="+mn-ea"/>
               </a:rPr>
-              <a:t>（パスワード再登録）</a:t>
+              <a:t>パスワード再登録</a:t>
             </a:r>
           </a:p>
         </p:txBody>
